--- a/OpenPlazaCS360Lab/Presentations/OpenPlaza - Phase 2.pptx
+++ b/OpenPlazaCS360Lab/Presentations/OpenPlaza - Phase 2.pptx
@@ -147,6 +147,50 @@
 </p188:authorLst>
 </file>
 
+<file path=ppt/changesInfos/changesInfo1.xml><?xml version="1.0" encoding="utf-8"?>
+<pc:chgInfo xmlns:a="http://schemas.openxmlformats.org/drawingml/2006/main" xmlns:r="http://schemas.openxmlformats.org/officeDocument/2006/relationships" xmlns:ac="http://schemas.microsoft.com/office/drawing/2013/main/command" xmlns:pc="http://schemas.microsoft.com/office/powerpoint/2013/main/command">
+  <pc:docChgLst>
+    <pc:chgData name="Anna Milligan" userId="71d62bc11ec1a38e" providerId="LiveId" clId="{203B3377-6DF9-4C7F-9A6A-45D2892D3D5E}"/>
+    <pc:docChg chg="modSld">
+      <pc:chgData name="Anna Milligan" userId="71d62bc11ec1a38e" providerId="LiveId" clId="{203B3377-6DF9-4C7F-9A6A-45D2892D3D5E}" dt="2025-03-31T19:01:59.941" v="291" actId="20577"/>
+      <pc:docMkLst>
+        <pc:docMk/>
+      </pc:docMkLst>
+      <pc:sldChg chg="modSp mod">
+        <pc:chgData name="Anna Milligan" userId="71d62bc11ec1a38e" providerId="LiveId" clId="{203B3377-6DF9-4C7F-9A6A-45D2892D3D5E}" dt="2025-03-31T19:01:59.941" v="291" actId="20577"/>
+        <pc:sldMkLst>
+          <pc:docMk/>
+          <pc:sldMk cId="1251724933" sldId="331"/>
+        </pc:sldMkLst>
+        <pc:spChg chg="mod">
+          <ac:chgData name="Anna Milligan" userId="71d62bc11ec1a38e" providerId="LiveId" clId="{203B3377-6DF9-4C7F-9A6A-45D2892D3D5E}" dt="2025-03-31T19:01:59.941" v="291" actId="20577"/>
+          <ac:spMkLst>
+            <pc:docMk/>
+            <pc:sldMk cId="1251724933" sldId="331"/>
+            <ac:spMk id="3" creationId="{8267AD55-06DF-84BC-63A1-0345DCA58AD5}"/>
+          </ac:spMkLst>
+        </pc:spChg>
+      </pc:sldChg>
+      <pc:sldChg chg="modSp mod">
+        <pc:chgData name="Anna Milligan" userId="71d62bc11ec1a38e" providerId="LiveId" clId="{203B3377-6DF9-4C7F-9A6A-45D2892D3D5E}" dt="2025-03-31T18:59:40.710" v="213" actId="20577"/>
+        <pc:sldMkLst>
+          <pc:docMk/>
+          <pc:sldMk cId="2881520069" sldId="332"/>
+        </pc:sldMkLst>
+        <pc:spChg chg="mod">
+          <ac:chgData name="Anna Milligan" userId="71d62bc11ec1a38e" providerId="LiveId" clId="{203B3377-6DF9-4C7F-9A6A-45D2892D3D5E}" dt="2025-03-31T18:59:40.710" v="213" actId="20577"/>
+          <ac:spMkLst>
+            <pc:docMk/>
+            <pc:sldMk cId="2881520069" sldId="332"/>
+            <ac:spMk id="3" creationId="{9A4A5456-E7EF-2A74-4280-00829BAE8FB7}"/>
+          </ac:spMkLst>
+        </pc:spChg>
+      </pc:sldChg>
+    </pc:docChg>
+  </pc:docChgLst>
+</pc:chgInfo>
+</file>
+
 <file path=ppt/handoutMasters/handoutMaster1.xml><?xml version="1.0" encoding="utf-8"?>
 <p:handoutMaster xmlns:a="http://schemas.openxmlformats.org/drawingml/2006/main" xmlns:r="http://schemas.openxmlformats.org/officeDocument/2006/relationships" xmlns:p="http://schemas.openxmlformats.org/presentationml/2006/main">
   <p:cSld>
@@ -241,7 +285,7 @@
           <a:p>
             <a:fld id="{B149A72A-4651-45C7-9E42-35BFFD46D92F}" type="datetimeFigureOut">
               <a:rPr lang="en-US" smtClean="0"/>
-              <a:t>3/25/2025</a:t>
+              <a:t>3/31/2025</a:t>
             </a:fld>
             <a:endParaRPr lang="en-US" dirty="0"/>
           </a:p>
@@ -418,7 +462,7 @@
           <a:p>
             <a:fld id="{9D849352-39CB-486C-AEA5-5D17795DD0C7}" type="datetimeFigureOut">
               <a:rPr lang="en-US" smtClean="0"/>
-              <a:t>3/25/2025</a:t>
+              <a:t>3/31/2025</a:t>
             </a:fld>
             <a:endParaRPr lang="en-US" dirty="0"/>
           </a:p>
@@ -9644,7 +9688,7 @@
             </a:pPr>
             <a:r>
               <a:rPr lang="en-US" sz="2400" dirty="0"/>
-              <a:t>Initial frontend layouts</a:t>
+              <a:t>Frontend layout</a:t>
             </a:r>
           </a:p>
           <a:p>
@@ -9654,7 +9698,32 @@
             </a:pPr>
             <a:r>
               <a:rPr lang="en-US" sz="2400" dirty="0"/>
-              <a:t>Placeholder flavor text</a:t>
+              <a:t>Organize stylesheet and visual style </a:t>
+            </a:r>
+            <a:r>
+              <a:rPr lang="en-US" sz="2400"/>
+              <a:t>of site</a:t>
+            </a:r>
+            <a:endParaRPr lang="en-US" sz="2400" dirty="0"/>
+          </a:p>
+          <a:p>
+            <a:pPr marL="342900" indent="-342900">
+              <a:buFont typeface="Arial" panose="020B0604020202020204" pitchFamily="34" charset="0"/>
+              <a:buChar char="•"/>
+            </a:pPr>
+            <a:r>
+              <a:rPr lang="en-US" sz="2400" dirty="0"/>
+              <a:t>Create and incorporate first logo</a:t>
+            </a:r>
+          </a:p>
+          <a:p>
+            <a:pPr marL="342900" indent="-342900">
+              <a:buFont typeface="Arial" panose="020B0604020202020204" pitchFamily="34" charset="0"/>
+              <a:buChar char="•"/>
+            </a:pPr>
+            <a:r>
+              <a:rPr lang="en-US" sz="2400" dirty="0"/>
+              <a:t>Update guiding flavor text</a:t>
             </a:r>
           </a:p>
           <a:p>
@@ -9864,7 +9933,7 @@
             </a:pPr>
             <a:r>
               <a:rPr lang="en-US" sz="2400" dirty="0"/>
-              <a:t>Implement a frontend</a:t>
+              <a:t>Continue implementing a frontend</a:t>
             </a:r>
           </a:p>
           <a:p>
@@ -10894,6 +10963,15 @@
 </file>
 
 <file path=customXml/item1.xml><?xml version="1.0" encoding="utf-8"?>
+<?mso-contentType ?>
+<FormTemplates xmlns="http://schemas.microsoft.com/sharepoint/v3/contenttype/forms">
+  <Display>DocumentLibraryForm</Display>
+  <Edit>DocumentLibraryForm</Edit>
+  <New>DocumentLibraryForm</New>
+</FormTemplates>
+</file>
+
+<file path=customXml/item2.xml><?xml version="1.0" encoding="utf-8"?>
 <ct:contentTypeSchema xmlns:ct="http://schemas.microsoft.com/office/2006/metadata/contentType" xmlns:ma="http://schemas.microsoft.com/office/2006/metadata/properties/metaAttributes" ct:_="" ma:_="" ma:contentTypeName="Document" ma:contentTypeID="0x01010079F111ED35F8CC479449609E8A0923A6" ma:contentTypeVersion="28" ma:contentTypeDescription="Create a new document." ma:contentTypeScope="" ma:versionID="60f5a4f2d2b0abadcf532d48ebf9cb71">
   <xsd:schema xmlns:xsd="http://www.w3.org/2001/XMLSchema" xmlns:xs="http://www.w3.org/2001/XMLSchema" xmlns:p="http://schemas.microsoft.com/office/2006/metadata/properties" xmlns:ns1="http://schemas.microsoft.com/sharepoint/v3" xmlns:ns2="71af3243-3dd4-4a8d-8c0d-dd76da1f02a5" xmlns:ns3="16c05727-aa75-4e4a-9b5f-8a80a1165891" xmlns:ns4="230e9df3-be65-4c73-a93b-d1236ebd677e" targetNamespace="http://schemas.microsoft.com/office/2006/metadata/properties" ma:root="true" ma:fieldsID="7dd78129e6a1811f84807ad11c651531" ns1:_="" ns2:_="" ns3:_="" ns4:_="">
     <xsd:import namespace="http://schemas.microsoft.com/sharepoint/v3"/>
@@ -11205,15 +11283,6 @@
 </ct:contentTypeSchema>
 </file>
 
-<file path=customXml/item2.xml><?xml version="1.0" encoding="utf-8"?>
-<?mso-contentType ?>
-<FormTemplates xmlns="http://schemas.microsoft.com/sharepoint/v3/contenttype/forms">
-  <Display>DocumentLibraryForm</Display>
-  <Edit>DocumentLibraryForm</Edit>
-  <New>DocumentLibraryForm</New>
-</FormTemplates>
-</file>
-
 <file path=customXml/item3.xml><?xml version="1.0" encoding="utf-8"?>
 <p:properties xmlns:p="http://schemas.microsoft.com/office/2006/metadata/properties" xmlns:xsi="http://www.w3.org/2001/XMLSchema-instance" xmlns:pc="http://schemas.microsoft.com/office/infopath/2007/PartnerControls">
   <documentManagement>
@@ -11235,6 +11304,14 @@
 </file>
 
 <file path=customXml/itemProps1.xml><?xml version="1.0" encoding="utf-8"?>
+<ds:datastoreItem xmlns:ds="http://schemas.openxmlformats.org/officeDocument/2006/customXml" ds:itemID="{8CF92924-243E-4C73-8BD6-689D14A495F2}">
+  <ds:schemaRefs>
+    <ds:schemaRef ds:uri="http://schemas.microsoft.com/sharepoint/v3/contenttype/forms"/>
+  </ds:schemaRefs>
+</ds:datastoreItem>
+</file>
+
+<file path=customXml/itemProps2.xml><?xml version="1.0" encoding="utf-8"?>
 <ds:datastoreItem xmlns:ds="http://schemas.openxmlformats.org/officeDocument/2006/customXml" ds:itemID="{0D54F37A-6805-42D4-9FB4-3CFF01A7B973}">
   <ds:schemaRefs>
     <ds:schemaRef ds:uri="http://schemas.microsoft.com/office/2006/metadata/contentType"/>
@@ -11255,14 +11332,6 @@
 </ds:datastoreItem>
 </file>
 
-<file path=customXml/itemProps2.xml><?xml version="1.0" encoding="utf-8"?>
-<ds:datastoreItem xmlns:ds="http://schemas.openxmlformats.org/officeDocument/2006/customXml" ds:itemID="{8CF92924-243E-4C73-8BD6-689D14A495F2}">
-  <ds:schemaRefs>
-    <ds:schemaRef ds:uri="http://schemas.microsoft.com/sharepoint/v3/contenttype/forms"/>
-  </ds:schemaRefs>
-</ds:datastoreItem>
-</file>
-
 <file path=customXml/itemProps3.xml><?xml version="1.0" encoding="utf-8"?>
 <ds:datastoreItem xmlns:ds="http://schemas.openxmlformats.org/officeDocument/2006/customXml" ds:itemID="{51D389B5-45E8-4EA7-B5A7-604FF249CF70}">
   <ds:schemaRefs>

--- a/OpenPlazaCS360Lab/Presentations/OpenPlaza - Phase 2.pptx
+++ b/OpenPlazaCS360Lab/Presentations/OpenPlaza - Phase 2.pptx
@@ -152,18 +152,18 @@
   <pc:docChgLst>
     <pc:chgData name="Anna Milligan" userId="71d62bc11ec1a38e" providerId="LiveId" clId="{203B3377-6DF9-4C7F-9A6A-45D2892D3D5E}"/>
     <pc:docChg chg="modSld">
-      <pc:chgData name="Anna Milligan" userId="71d62bc11ec1a38e" providerId="LiveId" clId="{203B3377-6DF9-4C7F-9A6A-45D2892D3D5E}" dt="2025-03-31T19:01:59.941" v="291" actId="20577"/>
+      <pc:chgData name="Anna Milligan" userId="71d62bc11ec1a38e" providerId="LiveId" clId="{203B3377-6DF9-4C7F-9A6A-45D2892D3D5E}" dt="2025-03-31T19:20:35.749" v="292" actId="20577"/>
       <pc:docMkLst>
         <pc:docMk/>
       </pc:docMkLst>
       <pc:sldChg chg="modSp mod">
-        <pc:chgData name="Anna Milligan" userId="71d62bc11ec1a38e" providerId="LiveId" clId="{203B3377-6DF9-4C7F-9A6A-45D2892D3D5E}" dt="2025-03-31T19:01:59.941" v="291" actId="20577"/>
+        <pc:chgData name="Anna Milligan" userId="71d62bc11ec1a38e" providerId="LiveId" clId="{203B3377-6DF9-4C7F-9A6A-45D2892D3D5E}" dt="2025-03-31T19:20:35.749" v="292" actId="20577"/>
         <pc:sldMkLst>
           <pc:docMk/>
           <pc:sldMk cId="1251724933" sldId="331"/>
         </pc:sldMkLst>
         <pc:spChg chg="mod">
-          <ac:chgData name="Anna Milligan" userId="71d62bc11ec1a38e" providerId="LiveId" clId="{203B3377-6DF9-4C7F-9A6A-45D2892D3D5E}" dt="2025-03-31T19:01:59.941" v="291" actId="20577"/>
+          <ac:chgData name="Anna Milligan" userId="71d62bc11ec1a38e" providerId="LiveId" clId="{203B3377-6DF9-4C7F-9A6A-45D2892D3D5E}" dt="2025-03-31T19:20:35.749" v="292" actId="20577"/>
           <ac:spMkLst>
             <pc:docMk/>
             <pc:sldMk cId="1251724933" sldId="331"/>
@@ -9698,13 +9698,8 @@
             </a:pPr>
             <a:r>
               <a:rPr lang="en-US" sz="2400" dirty="0"/>
-              <a:t>Organize stylesheet and visual style </a:t>
-            </a:r>
-            <a:r>
-              <a:rPr lang="en-US" sz="2400"/>
-              <a:t>of site</a:t>
-            </a:r>
-            <a:endParaRPr lang="en-US" sz="2400" dirty="0"/>
+              <a:t>Organize stylesheet and visual style of site</a:t>
+            </a:r>
           </a:p>
           <a:p>
             <a:pPr marL="342900" indent="-342900">
@@ -9712,18 +9707,12 @@
               <a:buChar char="•"/>
             </a:pPr>
             <a:r>
+              <a:rPr lang="en-US" sz="2400"/>
+              <a:t>Update </a:t>
+            </a:r>
+            <a:r>
               <a:rPr lang="en-US" sz="2400" dirty="0"/>
-              <a:t>Create and incorporate first logo</a:t>
-            </a:r>
-          </a:p>
-          <a:p>
-            <a:pPr marL="342900" indent="-342900">
-              <a:buFont typeface="Arial" panose="020B0604020202020204" pitchFamily="34" charset="0"/>
-              <a:buChar char="•"/>
-            </a:pPr>
-            <a:r>
-              <a:rPr lang="en-US" sz="2400" dirty="0"/>
-              <a:t>Update guiding flavor text</a:t>
+              <a:t>guiding flavor text</a:t>
             </a:r>
           </a:p>
           <a:p>
@@ -10963,15 +10952,6 @@
 </file>
 
 <file path=customXml/item1.xml><?xml version="1.0" encoding="utf-8"?>
-<?mso-contentType ?>
-<FormTemplates xmlns="http://schemas.microsoft.com/sharepoint/v3/contenttype/forms">
-  <Display>DocumentLibraryForm</Display>
-  <Edit>DocumentLibraryForm</Edit>
-  <New>DocumentLibraryForm</New>
-</FormTemplates>
-</file>
-
-<file path=customXml/item2.xml><?xml version="1.0" encoding="utf-8"?>
 <ct:contentTypeSchema xmlns:ct="http://schemas.microsoft.com/office/2006/metadata/contentType" xmlns:ma="http://schemas.microsoft.com/office/2006/metadata/properties/metaAttributes" ct:_="" ma:_="" ma:contentTypeName="Document" ma:contentTypeID="0x01010079F111ED35F8CC479449609E8A0923A6" ma:contentTypeVersion="28" ma:contentTypeDescription="Create a new document." ma:contentTypeScope="" ma:versionID="60f5a4f2d2b0abadcf532d48ebf9cb71">
   <xsd:schema xmlns:xsd="http://www.w3.org/2001/XMLSchema" xmlns:xs="http://www.w3.org/2001/XMLSchema" xmlns:p="http://schemas.microsoft.com/office/2006/metadata/properties" xmlns:ns1="http://schemas.microsoft.com/sharepoint/v3" xmlns:ns2="71af3243-3dd4-4a8d-8c0d-dd76da1f02a5" xmlns:ns3="16c05727-aa75-4e4a-9b5f-8a80a1165891" xmlns:ns4="230e9df3-be65-4c73-a93b-d1236ebd677e" targetNamespace="http://schemas.microsoft.com/office/2006/metadata/properties" ma:root="true" ma:fieldsID="7dd78129e6a1811f84807ad11c651531" ns1:_="" ns2:_="" ns3:_="" ns4:_="">
     <xsd:import namespace="http://schemas.microsoft.com/sharepoint/v3"/>
@@ -11283,6 +11263,15 @@
 </ct:contentTypeSchema>
 </file>
 
+<file path=customXml/item2.xml><?xml version="1.0" encoding="utf-8"?>
+<?mso-contentType ?>
+<FormTemplates xmlns="http://schemas.microsoft.com/sharepoint/v3/contenttype/forms">
+  <Display>DocumentLibraryForm</Display>
+  <Edit>DocumentLibraryForm</Edit>
+  <New>DocumentLibraryForm</New>
+</FormTemplates>
+</file>
+
 <file path=customXml/item3.xml><?xml version="1.0" encoding="utf-8"?>
 <p:properties xmlns:p="http://schemas.microsoft.com/office/2006/metadata/properties" xmlns:xsi="http://www.w3.org/2001/XMLSchema-instance" xmlns:pc="http://schemas.microsoft.com/office/infopath/2007/PartnerControls">
   <documentManagement>
@@ -11304,14 +11293,6 @@
 </file>
 
 <file path=customXml/itemProps1.xml><?xml version="1.0" encoding="utf-8"?>
-<ds:datastoreItem xmlns:ds="http://schemas.openxmlformats.org/officeDocument/2006/customXml" ds:itemID="{8CF92924-243E-4C73-8BD6-689D14A495F2}">
-  <ds:schemaRefs>
-    <ds:schemaRef ds:uri="http://schemas.microsoft.com/sharepoint/v3/contenttype/forms"/>
-  </ds:schemaRefs>
-</ds:datastoreItem>
-</file>
-
-<file path=customXml/itemProps2.xml><?xml version="1.0" encoding="utf-8"?>
 <ds:datastoreItem xmlns:ds="http://schemas.openxmlformats.org/officeDocument/2006/customXml" ds:itemID="{0D54F37A-6805-42D4-9FB4-3CFF01A7B973}">
   <ds:schemaRefs>
     <ds:schemaRef ds:uri="http://schemas.microsoft.com/office/2006/metadata/contentType"/>
@@ -11332,6 +11313,14 @@
 </ds:datastoreItem>
 </file>
 
+<file path=customXml/itemProps2.xml><?xml version="1.0" encoding="utf-8"?>
+<ds:datastoreItem xmlns:ds="http://schemas.openxmlformats.org/officeDocument/2006/customXml" ds:itemID="{8CF92924-243E-4C73-8BD6-689D14A495F2}">
+  <ds:schemaRefs>
+    <ds:schemaRef ds:uri="http://schemas.microsoft.com/sharepoint/v3/contenttype/forms"/>
+  </ds:schemaRefs>
+</ds:datastoreItem>
+</file>
+
 <file path=customXml/itemProps3.xml><?xml version="1.0" encoding="utf-8"?>
 <ds:datastoreItem xmlns:ds="http://schemas.openxmlformats.org/officeDocument/2006/customXml" ds:itemID="{51D389B5-45E8-4EA7-B5A7-604FF249CF70}">
   <ds:schemaRefs>

--- a/OpenPlazaCS360Lab/Presentations/OpenPlaza - Phase 2.pptx
+++ b/OpenPlazaCS360Lab/Presentations/OpenPlaza - Phase 2.pptx
@@ -5,10 +5,10 @@
     <p:sldMasterId id="2147483747" r:id="rId4"/>
   </p:sldMasterIdLst>
   <p:notesMasterIdLst>
-    <p:notesMasterId r:id="rId15"/>
+    <p:notesMasterId r:id="rId16"/>
   </p:notesMasterIdLst>
   <p:handoutMasterIdLst>
-    <p:handoutMasterId r:id="rId16"/>
+    <p:handoutMasterId r:id="rId17"/>
   </p:handoutMasterIdLst>
   <p:sldIdLst>
     <p:sldId id="296" r:id="rId5"/>
@@ -16,11 +16,12 @@
     <p:sldId id="319" r:id="rId7"/>
     <p:sldId id="325" r:id="rId8"/>
     <p:sldId id="327" r:id="rId9"/>
-    <p:sldId id="330" r:id="rId10"/>
-    <p:sldId id="331" r:id="rId11"/>
-    <p:sldId id="332" r:id="rId12"/>
-    <p:sldId id="328" r:id="rId13"/>
-    <p:sldId id="321" r:id="rId14"/>
+    <p:sldId id="332" r:id="rId10"/>
+    <p:sldId id="333" r:id="rId11"/>
+    <p:sldId id="330" r:id="rId12"/>
+    <p:sldId id="331" r:id="rId13"/>
+    <p:sldId id="328" r:id="rId14"/>
+    <p:sldId id="321" r:id="rId15"/>
   </p:sldIdLst>
   <p:sldSz cx="12192000" cy="6858000"/>
   <p:notesSz cx="6858000" cy="9144000"/>
@@ -285,7 +286,7 @@
           <a:p>
             <a:fld id="{B149A72A-4651-45C7-9E42-35BFFD46D92F}" type="datetimeFigureOut">
               <a:rPr lang="en-US" smtClean="0"/>
-              <a:t>3/31/2025</a:t>
+              <a:t>4/1/2025</a:t>
             </a:fld>
             <a:endParaRPr lang="en-US" dirty="0"/>
           </a:p>
@@ -462,7 +463,7 @@
           <a:p>
             <a:fld id="{9D849352-39CB-486C-AEA5-5D17795DD0C7}" type="datetimeFigureOut">
               <a:rPr lang="en-US" smtClean="0"/>
-              <a:t>3/31/2025</a:t>
+              <a:t>4/1/2025</a:t>
             </a:fld>
             <a:endParaRPr lang="en-US" dirty="0"/>
           </a:p>
@@ -8435,6 +8436,112 @@
         <p:cNvPr id="1" name="">
           <a:extLst>
             <a:ext uri="{FF2B5EF4-FFF2-40B4-BE49-F238E27FC236}">
+              <a16:creationId xmlns:a16="http://schemas.microsoft.com/office/drawing/2014/main" id="{A0560F54-FD97-A2B8-96E8-482801411455}"/>
+            </a:ext>
+          </a:extLst>
+        </p:cNvPr>
+        <p:cNvGrpSpPr/>
+        <p:nvPr/>
+      </p:nvGrpSpPr>
+      <p:grpSpPr>
+        <a:xfrm>
+          <a:off x="0" y="0"/>
+          <a:ext cx="0" cy="0"/>
+          <a:chOff x="0" y="0"/>
+          <a:chExt cx="0" cy="0"/>
+        </a:xfrm>
+      </p:grpSpPr>
+      <p:sp>
+        <p:nvSpPr>
+          <p:cNvPr id="2" name="Title 1">
+            <a:extLst>
+              <a:ext uri="{FF2B5EF4-FFF2-40B4-BE49-F238E27FC236}">
+                <a16:creationId xmlns:a16="http://schemas.microsoft.com/office/drawing/2014/main" id="{850D1555-100E-3B80-3EBC-E7F464EEF835}"/>
+              </a:ext>
+            </a:extLst>
+          </p:cNvPr>
+          <p:cNvSpPr>
+            <a:spLocks noGrp="1"/>
+          </p:cNvSpPr>
+          <p:nvPr>
+            <p:ph type="title"/>
+          </p:nvPr>
+        </p:nvSpPr>
+        <p:spPr>
+          <a:xfrm>
+            <a:off x="841641" y="2654840"/>
+            <a:ext cx="10241280" cy="1234440"/>
+          </a:xfrm>
+        </p:spPr>
+        <p:txBody>
+          <a:bodyPr/>
+          <a:lstStyle/>
+          <a:p>
+            <a:pPr algn="ctr"/>
+            <a:r>
+              <a:rPr lang="en-US" dirty="0"/>
+              <a:t>Demonstration</a:t>
+            </a:r>
+          </a:p>
+        </p:txBody>
+      </p:sp>
+      <p:sp>
+        <p:nvSpPr>
+          <p:cNvPr id="3" name="TextBox 2">
+            <a:extLst>
+              <a:ext uri="{FF2B5EF4-FFF2-40B4-BE49-F238E27FC236}">
+                <a16:creationId xmlns:a16="http://schemas.microsoft.com/office/drawing/2014/main" id="{3F4A9B97-AB3D-7276-6680-2DAF4B3044B1}"/>
+              </a:ext>
+            </a:extLst>
+          </p:cNvPr>
+          <p:cNvSpPr txBox="1"/>
+          <p:nvPr/>
+        </p:nvSpPr>
+        <p:spPr>
+          <a:xfrm>
+            <a:off x="3342968" y="3519948"/>
+            <a:ext cx="5238627" cy="369332"/>
+          </a:xfrm>
+          <a:prstGeom prst="rect">
+            <a:avLst/>
+          </a:prstGeom>
+          <a:noFill/>
+        </p:spPr>
+        <p:txBody>
+          <a:bodyPr wrap="square" rtlCol="0">
+            <a:spAutoFit/>
+          </a:bodyPr>
+          <a:lstStyle/>
+          <a:p>
+            <a:pPr algn="ctr"/>
+            <a:r>
+              <a:rPr lang="en-US" dirty="0"/>
+              <a:t>Please wait for screen transition</a:t>
+            </a:r>
+          </a:p>
+        </p:txBody>
+      </p:sp>
+    </p:spTree>
+    <p:extLst>
+      <p:ext uri="{BB962C8B-B14F-4D97-AF65-F5344CB8AC3E}">
+        <p14:creationId xmlns:p14="http://schemas.microsoft.com/office/powerpoint/2010/main" val="486846729"/>
+      </p:ext>
+    </p:extLst>
+  </p:cSld>
+  <p:clrMapOvr>
+    <a:masterClrMapping/>
+  </p:clrMapOvr>
+</p:sld>
+</file>
+
+<file path=ppt/slides/slide11.xml><?xml version="1.0" encoding="utf-8"?>
+<p:sld xmlns:a="http://schemas.openxmlformats.org/drawingml/2006/main" xmlns:r="http://schemas.openxmlformats.org/officeDocument/2006/relationships" xmlns:p="http://schemas.openxmlformats.org/presentationml/2006/main">
+  <p:cSld>
+    <p:spTree>
+      <p:nvGrpSpPr>
+        <p:cNvPr id="1" name="">
+          <a:extLst>
+            <a:ext uri="{FF2B5EF4-FFF2-40B4-BE49-F238E27FC236}">
               <a16:creationId xmlns:a16="http://schemas.microsoft.com/office/drawing/2014/main" id="{F640B65A-48E2-3B22-1E89-2566FE63E01E}"/>
             </a:ext>
           </a:extLst>
@@ -8502,7 +8609,7 @@
             <a:fld id="{C01389E6-C847-4AD0-B56D-D205B2EAB1EE}" type="slidenum">
               <a:rPr lang="en-US" smtClean="0"/>
               <a:pPr/>
-              <a:t>10</a:t>
+              <a:t>11</a:t>
             </a:fld>
             <a:endParaRPr lang="en-US" dirty="0"/>
           </a:p>
@@ -8700,7 +8807,7 @@
           <a:p>
             <a:r>
               <a:rPr lang="en-US" dirty="0"/>
-              <a:t>Todd Carter</a:t>
+              <a:t>Todd Carter, V01187982</a:t>
             </a:r>
           </a:p>
           <a:p>
@@ -9279,7 +9386,7 @@
             </a:pPr>
             <a:r>
               <a:rPr lang="en-US" sz="2400" dirty="0"/>
-              <a:t>Moved tables for functionality</a:t>
+              <a:t>Checkout system now functional</a:t>
             </a:r>
           </a:p>
           <a:p>
@@ -9296,7 +9403,24 @@
             </a:pPr>
             <a:r>
               <a:rPr lang="en-US" sz="2400" dirty="0"/>
-              <a:t>Improved backend functionality</a:t>
+              <a:t>Improved security with addition of GUID system</a:t>
+            </a:r>
+          </a:p>
+          <a:p>
+            <a:pPr marL="342900" indent="-342900">
+              <a:buFont typeface="Arial" panose="020B0604020202020204" pitchFamily="34" charset="0"/>
+              <a:buChar char="•"/>
+            </a:pPr>
+            <a:endParaRPr lang="en-US" sz="2400" dirty="0"/>
+          </a:p>
+          <a:p>
+            <a:pPr marL="342900" indent="-342900">
+              <a:buFont typeface="Arial" panose="020B0604020202020204" pitchFamily="34" charset="0"/>
+              <a:buChar char="•"/>
+            </a:pPr>
+            <a:r>
+              <a:rPr lang="en-US" sz="2400" dirty="0"/>
+              <a:t>Minor updates to frontend</a:t>
             </a:r>
           </a:p>
           <a:p>
@@ -9343,6 +9467,333 @@
 </file>
 
 <file path=ppt/slides/slide6.xml><?xml version="1.0" encoding="utf-8"?>
+<p:sld xmlns:a="http://schemas.openxmlformats.org/drawingml/2006/main" xmlns:r="http://schemas.openxmlformats.org/officeDocument/2006/relationships" xmlns:p="http://schemas.openxmlformats.org/presentationml/2006/main">
+  <p:cSld>
+    <p:spTree>
+      <p:nvGrpSpPr>
+        <p:cNvPr id="1" name="">
+          <a:extLst>
+            <a:ext uri="{FF2B5EF4-FFF2-40B4-BE49-F238E27FC236}">
+              <a16:creationId xmlns:a16="http://schemas.microsoft.com/office/drawing/2014/main" id="{BA2E2835-755D-44FD-1F6F-203579EF67F7}"/>
+            </a:ext>
+          </a:extLst>
+        </p:cNvPr>
+        <p:cNvGrpSpPr/>
+        <p:nvPr/>
+      </p:nvGrpSpPr>
+      <p:grpSpPr>
+        <a:xfrm>
+          <a:off x="0" y="0"/>
+          <a:ext cx="0" cy="0"/>
+          <a:chOff x="0" y="0"/>
+          <a:chExt cx="0" cy="0"/>
+        </a:xfrm>
+      </p:grpSpPr>
+      <p:sp>
+        <p:nvSpPr>
+          <p:cNvPr id="2" name="Title 1">
+            <a:extLst>
+              <a:ext uri="{FF2B5EF4-FFF2-40B4-BE49-F238E27FC236}">
+                <a16:creationId xmlns:a16="http://schemas.microsoft.com/office/drawing/2014/main" id="{38C71F8F-F6C6-03EE-153A-4787948C5E04}"/>
+              </a:ext>
+            </a:extLst>
+          </p:cNvPr>
+          <p:cNvSpPr>
+            <a:spLocks noGrp="1"/>
+          </p:cNvSpPr>
+          <p:nvPr>
+            <p:ph type="title"/>
+          </p:nvPr>
+        </p:nvSpPr>
+        <p:spPr/>
+        <p:txBody>
+          <a:bodyPr/>
+          <a:lstStyle/>
+          <a:p>
+            <a:r>
+              <a:rPr lang="en-US" dirty="0"/>
+              <a:t>What’s to come</a:t>
+            </a:r>
+          </a:p>
+        </p:txBody>
+      </p:sp>
+      <p:sp>
+        <p:nvSpPr>
+          <p:cNvPr id="3" name="Content Placeholder 2">
+            <a:extLst>
+              <a:ext uri="{FF2B5EF4-FFF2-40B4-BE49-F238E27FC236}">
+                <a16:creationId xmlns:a16="http://schemas.microsoft.com/office/drawing/2014/main" id="{9A4A5456-E7EF-2A74-4280-00829BAE8FB7}"/>
+              </a:ext>
+            </a:extLst>
+          </p:cNvPr>
+          <p:cNvSpPr>
+            <a:spLocks noGrp="1"/>
+          </p:cNvSpPr>
+          <p:nvPr>
+            <p:ph idx="13"/>
+          </p:nvPr>
+        </p:nvSpPr>
+        <p:spPr>
+          <a:xfrm>
+            <a:off x="975360" y="2079371"/>
+            <a:ext cx="10116615" cy="3776596"/>
+          </a:xfrm>
+        </p:spPr>
+        <p:txBody>
+          <a:bodyPr/>
+          <a:lstStyle/>
+          <a:p>
+            <a:endParaRPr lang="en-US" sz="2400" dirty="0"/>
+          </a:p>
+          <a:p>
+            <a:pPr marL="342900" indent="-342900">
+              <a:buFont typeface="Arial" panose="020B0604020202020204" pitchFamily="34" charset="0"/>
+              <a:buChar char="•"/>
+            </a:pPr>
+            <a:r>
+              <a:rPr lang="en-US" sz="2400" dirty="0"/>
+              <a:t>Continue implementing a frontend</a:t>
+            </a:r>
+          </a:p>
+          <a:p>
+            <a:pPr marL="342900" indent="-342900">
+              <a:buFont typeface="Arial" panose="020B0604020202020204" pitchFamily="34" charset="0"/>
+              <a:buChar char="•"/>
+            </a:pPr>
+            <a:endParaRPr lang="en-US" sz="2400" dirty="0"/>
+          </a:p>
+          <a:p>
+            <a:pPr marL="342900" indent="-342900">
+              <a:buFont typeface="Arial" panose="020B0604020202020204" pitchFamily="34" charset="0"/>
+              <a:buChar char="•"/>
+            </a:pPr>
+            <a:r>
+              <a:rPr lang="en-US" sz="2400" dirty="0"/>
+              <a:t>Improve backend functionality</a:t>
+            </a:r>
+          </a:p>
+          <a:p>
+            <a:pPr marL="342900" indent="-342900">
+              <a:buFont typeface="Arial" panose="020B0604020202020204" pitchFamily="34" charset="0"/>
+              <a:buChar char="•"/>
+            </a:pPr>
+            <a:endParaRPr lang="en-US" sz="2400" dirty="0"/>
+          </a:p>
+          <a:p>
+            <a:pPr marL="342900" indent="-342900">
+              <a:buFont typeface="Arial" panose="020B0604020202020204" pitchFamily="34" charset="0"/>
+              <a:buChar char="•"/>
+            </a:pPr>
+            <a:r>
+              <a:rPr lang="en-US" sz="2400" dirty="0"/>
+              <a:t>Continue improving security</a:t>
+            </a:r>
+          </a:p>
+          <a:p>
+            <a:pPr marL="342900" indent="-342900">
+              <a:buFont typeface="Arial" panose="020B0604020202020204" pitchFamily="34" charset="0"/>
+              <a:buChar char="•"/>
+            </a:pPr>
+            <a:endParaRPr lang="en-US" sz="2400" dirty="0"/>
+          </a:p>
+          <a:p>
+            <a:pPr marL="342900" indent="-342900">
+              <a:buFont typeface="Arial" panose="020B0604020202020204" pitchFamily="34" charset="0"/>
+              <a:buChar char="•"/>
+            </a:pPr>
+            <a:endParaRPr lang="en-US" dirty="0"/>
+          </a:p>
+          <a:p>
+            <a:pPr marL="342900" indent="-342900">
+              <a:buFont typeface="Arial" panose="020B0604020202020204" pitchFamily="34" charset="0"/>
+              <a:buChar char="•"/>
+            </a:pPr>
+            <a:endParaRPr lang="en-US" dirty="0"/>
+          </a:p>
+          <a:p>
+            <a:pPr marL="342900" indent="-342900">
+              <a:buFont typeface="Arial" panose="020B0604020202020204" pitchFamily="34" charset="0"/>
+              <a:buChar char="•"/>
+            </a:pPr>
+            <a:endParaRPr lang="en-US" dirty="0"/>
+          </a:p>
+        </p:txBody>
+      </p:sp>
+    </p:spTree>
+    <p:extLst>
+      <p:ext uri="{BB962C8B-B14F-4D97-AF65-F5344CB8AC3E}">
+        <p14:creationId xmlns:p14="http://schemas.microsoft.com/office/powerpoint/2010/main" val="2881520069"/>
+      </p:ext>
+    </p:extLst>
+  </p:cSld>
+  <p:clrMapOvr>
+    <a:masterClrMapping/>
+  </p:clrMapOvr>
+</p:sld>
+</file>
+
+<file path=ppt/slides/slide7.xml><?xml version="1.0" encoding="utf-8"?>
+<p:sld xmlns:a="http://schemas.openxmlformats.org/drawingml/2006/main" xmlns:r="http://schemas.openxmlformats.org/officeDocument/2006/relationships" xmlns:p="http://schemas.openxmlformats.org/presentationml/2006/main">
+  <p:cSld>
+    <p:spTree>
+      <p:nvGrpSpPr>
+        <p:cNvPr id="1" name="">
+          <a:extLst>
+            <a:ext uri="{FF2B5EF4-FFF2-40B4-BE49-F238E27FC236}">
+              <a16:creationId xmlns:a16="http://schemas.microsoft.com/office/drawing/2014/main" id="{B914F247-7FDE-B383-2DC1-3BF3F6097689}"/>
+            </a:ext>
+          </a:extLst>
+        </p:cNvPr>
+        <p:cNvGrpSpPr/>
+        <p:nvPr/>
+      </p:nvGrpSpPr>
+      <p:grpSpPr>
+        <a:xfrm>
+          <a:off x="0" y="0"/>
+          <a:ext cx="0" cy="0"/>
+          <a:chOff x="0" y="0"/>
+          <a:chExt cx="0" cy="0"/>
+        </a:xfrm>
+      </p:grpSpPr>
+      <p:sp>
+        <p:nvSpPr>
+          <p:cNvPr id="2" name="Title 1">
+            <a:extLst>
+              <a:ext uri="{FF2B5EF4-FFF2-40B4-BE49-F238E27FC236}">
+                <a16:creationId xmlns:a16="http://schemas.microsoft.com/office/drawing/2014/main" id="{9446A15A-C3D2-550E-565D-DE1FA6A6C72F}"/>
+              </a:ext>
+            </a:extLst>
+          </p:cNvPr>
+          <p:cNvSpPr>
+            <a:spLocks noGrp="1"/>
+          </p:cNvSpPr>
+          <p:nvPr>
+            <p:ph type="title"/>
+          </p:nvPr>
+        </p:nvSpPr>
+        <p:spPr/>
+        <p:txBody>
+          <a:bodyPr/>
+          <a:lstStyle/>
+          <a:p>
+            <a:r>
+              <a:rPr lang="en-US" dirty="0"/>
+              <a:t>Challenges</a:t>
+            </a:r>
+          </a:p>
+        </p:txBody>
+      </p:sp>
+      <p:sp>
+        <p:nvSpPr>
+          <p:cNvPr id="3" name="Content Placeholder 2">
+            <a:extLst>
+              <a:ext uri="{FF2B5EF4-FFF2-40B4-BE49-F238E27FC236}">
+                <a16:creationId xmlns:a16="http://schemas.microsoft.com/office/drawing/2014/main" id="{64B70815-0C25-578A-DE51-18B10FC35D59}"/>
+              </a:ext>
+            </a:extLst>
+          </p:cNvPr>
+          <p:cNvSpPr>
+            <a:spLocks noGrp="1"/>
+          </p:cNvSpPr>
+          <p:nvPr>
+            <p:ph idx="13"/>
+          </p:nvPr>
+        </p:nvSpPr>
+        <p:spPr>
+          <a:xfrm>
+            <a:off x="975360" y="2079371"/>
+            <a:ext cx="10116615" cy="3776596"/>
+          </a:xfrm>
+        </p:spPr>
+        <p:txBody>
+          <a:bodyPr/>
+          <a:lstStyle/>
+          <a:p>
+            <a:endParaRPr lang="en-US" sz="2400" dirty="0"/>
+          </a:p>
+          <a:p>
+            <a:pPr marL="342900" indent="-342900">
+              <a:buFont typeface="Arial" panose="020B0604020202020204" pitchFamily="34" charset="0"/>
+              <a:buChar char="•"/>
+            </a:pPr>
+            <a:r>
+              <a:rPr lang="en-US" sz="2400" dirty="0"/>
+              <a:t>Creating a frontend layout; work has gone backwards</a:t>
+            </a:r>
+          </a:p>
+          <a:p>
+            <a:pPr marL="342900" indent="-342900">
+              <a:buFont typeface="Arial" panose="020B0604020202020204" pitchFamily="34" charset="0"/>
+              <a:buChar char="•"/>
+            </a:pPr>
+            <a:endParaRPr lang="en-US" sz="2400" dirty="0"/>
+          </a:p>
+          <a:p>
+            <a:pPr marL="342900" indent="-342900">
+              <a:buFont typeface="Arial" panose="020B0604020202020204" pitchFamily="34" charset="0"/>
+              <a:buChar char="•"/>
+            </a:pPr>
+            <a:r>
+              <a:rPr lang="en-US" sz="2400" dirty="0"/>
+              <a:t>Producing a backend that is modular and can be attached to any frontend, as we do not have </a:t>
+            </a:r>
+            <a:r>
+              <a:rPr lang="en-US" sz="2400"/>
+              <a:t>a frontend layout</a:t>
+            </a:r>
+            <a:endParaRPr lang="en-US" sz="2400" dirty="0"/>
+          </a:p>
+          <a:p>
+            <a:pPr marL="342900" indent="-342900">
+              <a:buFont typeface="Arial" panose="020B0604020202020204" pitchFamily="34" charset="0"/>
+              <a:buChar char="•"/>
+            </a:pPr>
+            <a:endParaRPr lang="en-US" sz="2400" dirty="0"/>
+          </a:p>
+          <a:p>
+            <a:pPr marL="342900" indent="-342900">
+              <a:buFont typeface="Arial" panose="020B0604020202020204" pitchFamily="34" charset="0"/>
+              <a:buChar char="•"/>
+            </a:pPr>
+            <a:endParaRPr lang="en-US" sz="2400" dirty="0"/>
+          </a:p>
+          <a:p>
+            <a:pPr marL="342900" indent="-342900">
+              <a:buFont typeface="Arial" panose="020B0604020202020204" pitchFamily="34" charset="0"/>
+              <a:buChar char="•"/>
+            </a:pPr>
+            <a:endParaRPr lang="en-US" dirty="0"/>
+          </a:p>
+          <a:p>
+            <a:pPr marL="342900" indent="-342900">
+              <a:buFont typeface="Arial" panose="020B0604020202020204" pitchFamily="34" charset="0"/>
+              <a:buChar char="•"/>
+            </a:pPr>
+            <a:endParaRPr lang="en-US" dirty="0"/>
+          </a:p>
+          <a:p>
+            <a:pPr marL="342900" indent="-342900">
+              <a:buFont typeface="Arial" panose="020B0604020202020204" pitchFamily="34" charset="0"/>
+              <a:buChar char="•"/>
+            </a:pPr>
+            <a:endParaRPr lang="en-US" dirty="0"/>
+          </a:p>
+        </p:txBody>
+      </p:sp>
+    </p:spTree>
+    <p:extLst>
+      <p:ext uri="{BB962C8B-B14F-4D97-AF65-F5344CB8AC3E}">
+        <p14:creationId xmlns:p14="http://schemas.microsoft.com/office/powerpoint/2010/main" val="2123919913"/>
+      </p:ext>
+    </p:extLst>
+  </p:cSld>
+  <p:clrMapOvr>
+    <a:masterClrMapping/>
+  </p:clrMapOvr>
+</p:sld>
+</file>
+
+<file path=ppt/slides/slide8.xml><?xml version="1.0" encoding="utf-8"?>
 <p:sld xmlns:a="http://schemas.openxmlformats.org/drawingml/2006/main" xmlns:r="http://schemas.openxmlformats.org/officeDocument/2006/relationships" xmlns:p="http://schemas.openxmlformats.org/presentationml/2006/main">
   <p:cSld>
     <p:spTree>
@@ -9597,7 +10048,7 @@
 </p:sld>
 </file>
 
-<file path=ppt/slides/slide7.xml><?xml version="1.0" encoding="utf-8"?>
+<file path=ppt/slides/slide9.xml><?xml version="1.0" encoding="utf-8"?>
 <p:sld xmlns:a="http://schemas.openxmlformats.org/drawingml/2006/main" xmlns:r="http://schemas.openxmlformats.org/officeDocument/2006/relationships" xmlns:p="http://schemas.openxmlformats.org/presentationml/2006/main">
   <p:cSld>
     <p:spTree>
@@ -9827,261 +10278,6 @@
     <p:extLst>
       <p:ext uri="{BB962C8B-B14F-4D97-AF65-F5344CB8AC3E}">
         <p14:creationId xmlns:p14="http://schemas.microsoft.com/office/powerpoint/2010/main" val="1251724933"/>
-      </p:ext>
-    </p:extLst>
-  </p:cSld>
-  <p:clrMapOvr>
-    <a:masterClrMapping/>
-  </p:clrMapOvr>
-</p:sld>
-</file>
-
-<file path=ppt/slides/slide8.xml><?xml version="1.0" encoding="utf-8"?>
-<p:sld xmlns:a="http://schemas.openxmlformats.org/drawingml/2006/main" xmlns:r="http://schemas.openxmlformats.org/officeDocument/2006/relationships" xmlns:p="http://schemas.openxmlformats.org/presentationml/2006/main">
-  <p:cSld>
-    <p:spTree>
-      <p:nvGrpSpPr>
-        <p:cNvPr id="1" name="">
-          <a:extLst>
-            <a:ext uri="{FF2B5EF4-FFF2-40B4-BE49-F238E27FC236}">
-              <a16:creationId xmlns:a16="http://schemas.microsoft.com/office/drawing/2014/main" id="{BA2E2835-755D-44FD-1F6F-203579EF67F7}"/>
-            </a:ext>
-          </a:extLst>
-        </p:cNvPr>
-        <p:cNvGrpSpPr/>
-        <p:nvPr/>
-      </p:nvGrpSpPr>
-      <p:grpSpPr>
-        <a:xfrm>
-          <a:off x="0" y="0"/>
-          <a:ext cx="0" cy="0"/>
-          <a:chOff x="0" y="0"/>
-          <a:chExt cx="0" cy="0"/>
-        </a:xfrm>
-      </p:grpSpPr>
-      <p:sp>
-        <p:nvSpPr>
-          <p:cNvPr id="2" name="Title 1">
-            <a:extLst>
-              <a:ext uri="{FF2B5EF4-FFF2-40B4-BE49-F238E27FC236}">
-                <a16:creationId xmlns:a16="http://schemas.microsoft.com/office/drawing/2014/main" id="{38C71F8F-F6C6-03EE-153A-4787948C5E04}"/>
-              </a:ext>
-            </a:extLst>
-          </p:cNvPr>
-          <p:cNvSpPr>
-            <a:spLocks noGrp="1"/>
-          </p:cNvSpPr>
-          <p:nvPr>
-            <p:ph type="title"/>
-          </p:nvPr>
-        </p:nvSpPr>
-        <p:spPr/>
-        <p:txBody>
-          <a:bodyPr/>
-          <a:lstStyle/>
-          <a:p>
-            <a:r>
-              <a:rPr lang="en-US" dirty="0"/>
-              <a:t>What’s to come</a:t>
-            </a:r>
-          </a:p>
-        </p:txBody>
-      </p:sp>
-      <p:sp>
-        <p:nvSpPr>
-          <p:cNvPr id="3" name="Content Placeholder 2">
-            <a:extLst>
-              <a:ext uri="{FF2B5EF4-FFF2-40B4-BE49-F238E27FC236}">
-                <a16:creationId xmlns:a16="http://schemas.microsoft.com/office/drawing/2014/main" id="{9A4A5456-E7EF-2A74-4280-00829BAE8FB7}"/>
-              </a:ext>
-            </a:extLst>
-          </p:cNvPr>
-          <p:cNvSpPr>
-            <a:spLocks noGrp="1"/>
-          </p:cNvSpPr>
-          <p:nvPr>
-            <p:ph idx="13"/>
-          </p:nvPr>
-        </p:nvSpPr>
-        <p:spPr>
-          <a:xfrm>
-            <a:off x="975360" y="2079371"/>
-            <a:ext cx="10116615" cy="3776596"/>
-          </a:xfrm>
-        </p:spPr>
-        <p:txBody>
-          <a:bodyPr/>
-          <a:lstStyle/>
-          <a:p>
-            <a:endParaRPr lang="en-US" sz="2400" dirty="0"/>
-          </a:p>
-          <a:p>
-            <a:pPr marL="342900" indent="-342900">
-              <a:buFont typeface="Arial" panose="020B0604020202020204" pitchFamily="34" charset="0"/>
-              <a:buChar char="•"/>
-            </a:pPr>
-            <a:r>
-              <a:rPr lang="en-US" sz="2400" dirty="0"/>
-              <a:t>Continue implementing a frontend</a:t>
-            </a:r>
-          </a:p>
-          <a:p>
-            <a:pPr marL="342900" indent="-342900">
-              <a:buFont typeface="Arial" panose="020B0604020202020204" pitchFamily="34" charset="0"/>
-              <a:buChar char="•"/>
-            </a:pPr>
-            <a:endParaRPr lang="en-US" sz="2400" dirty="0"/>
-          </a:p>
-          <a:p>
-            <a:pPr marL="342900" indent="-342900">
-              <a:buFont typeface="Arial" panose="020B0604020202020204" pitchFamily="34" charset="0"/>
-              <a:buChar char="•"/>
-            </a:pPr>
-            <a:r>
-              <a:rPr lang="en-US" sz="2400" dirty="0"/>
-              <a:t>Finish backend functionality</a:t>
-            </a:r>
-          </a:p>
-          <a:p>
-            <a:pPr marL="342900" indent="-342900">
-              <a:buFont typeface="Arial" panose="020B0604020202020204" pitchFamily="34" charset="0"/>
-              <a:buChar char="•"/>
-            </a:pPr>
-            <a:endParaRPr lang="en-US" sz="2400" dirty="0"/>
-          </a:p>
-          <a:p>
-            <a:pPr marL="342900" indent="-342900">
-              <a:buFont typeface="Arial" panose="020B0604020202020204" pitchFamily="34" charset="0"/>
-              <a:buChar char="•"/>
-            </a:pPr>
-            <a:endParaRPr lang="en-US" dirty="0"/>
-          </a:p>
-          <a:p>
-            <a:pPr marL="342900" indent="-342900">
-              <a:buFont typeface="Arial" panose="020B0604020202020204" pitchFamily="34" charset="0"/>
-              <a:buChar char="•"/>
-            </a:pPr>
-            <a:endParaRPr lang="en-US" dirty="0"/>
-          </a:p>
-          <a:p>
-            <a:pPr marL="342900" indent="-342900">
-              <a:buFont typeface="Arial" panose="020B0604020202020204" pitchFamily="34" charset="0"/>
-              <a:buChar char="•"/>
-            </a:pPr>
-            <a:endParaRPr lang="en-US" dirty="0"/>
-          </a:p>
-        </p:txBody>
-      </p:sp>
-    </p:spTree>
-    <p:extLst>
-      <p:ext uri="{BB962C8B-B14F-4D97-AF65-F5344CB8AC3E}">
-        <p14:creationId xmlns:p14="http://schemas.microsoft.com/office/powerpoint/2010/main" val="2881520069"/>
-      </p:ext>
-    </p:extLst>
-  </p:cSld>
-  <p:clrMapOvr>
-    <a:masterClrMapping/>
-  </p:clrMapOvr>
-</p:sld>
-</file>
-
-<file path=ppt/slides/slide9.xml><?xml version="1.0" encoding="utf-8"?>
-<p:sld xmlns:a="http://schemas.openxmlformats.org/drawingml/2006/main" xmlns:r="http://schemas.openxmlformats.org/officeDocument/2006/relationships" xmlns:p="http://schemas.openxmlformats.org/presentationml/2006/main">
-  <p:cSld>
-    <p:spTree>
-      <p:nvGrpSpPr>
-        <p:cNvPr id="1" name="">
-          <a:extLst>
-            <a:ext uri="{FF2B5EF4-FFF2-40B4-BE49-F238E27FC236}">
-              <a16:creationId xmlns:a16="http://schemas.microsoft.com/office/drawing/2014/main" id="{A0560F54-FD97-A2B8-96E8-482801411455}"/>
-            </a:ext>
-          </a:extLst>
-        </p:cNvPr>
-        <p:cNvGrpSpPr/>
-        <p:nvPr/>
-      </p:nvGrpSpPr>
-      <p:grpSpPr>
-        <a:xfrm>
-          <a:off x="0" y="0"/>
-          <a:ext cx="0" cy="0"/>
-          <a:chOff x="0" y="0"/>
-          <a:chExt cx="0" cy="0"/>
-        </a:xfrm>
-      </p:grpSpPr>
-      <p:sp>
-        <p:nvSpPr>
-          <p:cNvPr id="2" name="Title 1">
-            <a:extLst>
-              <a:ext uri="{FF2B5EF4-FFF2-40B4-BE49-F238E27FC236}">
-                <a16:creationId xmlns:a16="http://schemas.microsoft.com/office/drawing/2014/main" id="{850D1555-100E-3B80-3EBC-E7F464EEF835}"/>
-              </a:ext>
-            </a:extLst>
-          </p:cNvPr>
-          <p:cNvSpPr>
-            <a:spLocks noGrp="1"/>
-          </p:cNvSpPr>
-          <p:nvPr>
-            <p:ph type="title"/>
-          </p:nvPr>
-        </p:nvSpPr>
-        <p:spPr>
-          <a:xfrm>
-            <a:off x="841641" y="2654840"/>
-            <a:ext cx="10241280" cy="1234440"/>
-          </a:xfrm>
-        </p:spPr>
-        <p:txBody>
-          <a:bodyPr/>
-          <a:lstStyle/>
-          <a:p>
-            <a:pPr algn="ctr"/>
-            <a:r>
-              <a:rPr lang="en-US" dirty="0"/>
-              <a:t>Demonstration</a:t>
-            </a:r>
-          </a:p>
-        </p:txBody>
-      </p:sp>
-      <p:sp>
-        <p:nvSpPr>
-          <p:cNvPr id="3" name="TextBox 2">
-            <a:extLst>
-              <a:ext uri="{FF2B5EF4-FFF2-40B4-BE49-F238E27FC236}">
-                <a16:creationId xmlns:a16="http://schemas.microsoft.com/office/drawing/2014/main" id="{3F4A9B97-AB3D-7276-6680-2DAF4B3044B1}"/>
-              </a:ext>
-            </a:extLst>
-          </p:cNvPr>
-          <p:cNvSpPr txBox="1"/>
-          <p:nvPr/>
-        </p:nvSpPr>
-        <p:spPr>
-          <a:xfrm>
-            <a:off x="3342968" y="3519948"/>
-            <a:ext cx="5238627" cy="369332"/>
-          </a:xfrm>
-          <a:prstGeom prst="rect">
-            <a:avLst/>
-          </a:prstGeom>
-          <a:noFill/>
-        </p:spPr>
-        <p:txBody>
-          <a:bodyPr wrap="square" rtlCol="0">
-            <a:spAutoFit/>
-          </a:bodyPr>
-          <a:lstStyle/>
-          <a:p>
-            <a:pPr algn="ctr"/>
-            <a:r>
-              <a:rPr lang="en-US" dirty="0"/>
-              <a:t>Please wait for screen transition</a:t>
-            </a:r>
-          </a:p>
-        </p:txBody>
-      </p:sp>
-    </p:spTree>
-    <p:extLst>
-      <p:ext uri="{BB962C8B-B14F-4D97-AF65-F5344CB8AC3E}">
-        <p14:creationId xmlns:p14="http://schemas.microsoft.com/office/powerpoint/2010/main" val="486846729"/>
       </p:ext>
     </p:extLst>
   </p:cSld>
@@ -10952,6 +11148,15 @@
 </file>
 
 <file path=customXml/item1.xml><?xml version="1.0" encoding="utf-8"?>
+<?mso-contentType ?>
+<FormTemplates xmlns="http://schemas.microsoft.com/sharepoint/v3/contenttype/forms">
+  <Display>DocumentLibraryForm</Display>
+  <Edit>DocumentLibraryForm</Edit>
+  <New>DocumentLibraryForm</New>
+</FormTemplates>
+</file>
+
+<file path=customXml/item2.xml><?xml version="1.0" encoding="utf-8"?>
 <ct:contentTypeSchema xmlns:ct="http://schemas.microsoft.com/office/2006/metadata/contentType" xmlns:ma="http://schemas.microsoft.com/office/2006/metadata/properties/metaAttributes" ct:_="" ma:_="" ma:contentTypeName="Document" ma:contentTypeID="0x01010079F111ED35F8CC479449609E8A0923A6" ma:contentTypeVersion="28" ma:contentTypeDescription="Create a new document." ma:contentTypeScope="" ma:versionID="60f5a4f2d2b0abadcf532d48ebf9cb71">
   <xsd:schema xmlns:xsd="http://www.w3.org/2001/XMLSchema" xmlns:xs="http://www.w3.org/2001/XMLSchema" xmlns:p="http://schemas.microsoft.com/office/2006/metadata/properties" xmlns:ns1="http://schemas.microsoft.com/sharepoint/v3" xmlns:ns2="71af3243-3dd4-4a8d-8c0d-dd76da1f02a5" xmlns:ns3="16c05727-aa75-4e4a-9b5f-8a80a1165891" xmlns:ns4="230e9df3-be65-4c73-a93b-d1236ebd677e" targetNamespace="http://schemas.microsoft.com/office/2006/metadata/properties" ma:root="true" ma:fieldsID="7dd78129e6a1811f84807ad11c651531" ns1:_="" ns2:_="" ns3:_="" ns4:_="">
     <xsd:import namespace="http://schemas.microsoft.com/sharepoint/v3"/>
@@ -11263,15 +11468,6 @@
 </ct:contentTypeSchema>
 </file>
 
-<file path=customXml/item2.xml><?xml version="1.0" encoding="utf-8"?>
-<?mso-contentType ?>
-<FormTemplates xmlns="http://schemas.microsoft.com/sharepoint/v3/contenttype/forms">
-  <Display>DocumentLibraryForm</Display>
-  <Edit>DocumentLibraryForm</Edit>
-  <New>DocumentLibraryForm</New>
-</FormTemplates>
-</file>
-
 <file path=customXml/item3.xml><?xml version="1.0" encoding="utf-8"?>
 <p:properties xmlns:p="http://schemas.microsoft.com/office/2006/metadata/properties" xmlns:xsi="http://www.w3.org/2001/XMLSchema-instance" xmlns:pc="http://schemas.microsoft.com/office/infopath/2007/PartnerControls">
   <documentManagement>
@@ -11293,6 +11489,14 @@
 </file>
 
 <file path=customXml/itemProps1.xml><?xml version="1.0" encoding="utf-8"?>
+<ds:datastoreItem xmlns:ds="http://schemas.openxmlformats.org/officeDocument/2006/customXml" ds:itemID="{8CF92924-243E-4C73-8BD6-689D14A495F2}">
+  <ds:schemaRefs>
+    <ds:schemaRef ds:uri="http://schemas.microsoft.com/sharepoint/v3/contenttype/forms"/>
+  </ds:schemaRefs>
+</ds:datastoreItem>
+</file>
+
+<file path=customXml/itemProps2.xml><?xml version="1.0" encoding="utf-8"?>
 <ds:datastoreItem xmlns:ds="http://schemas.openxmlformats.org/officeDocument/2006/customXml" ds:itemID="{0D54F37A-6805-42D4-9FB4-3CFF01A7B973}">
   <ds:schemaRefs>
     <ds:schemaRef ds:uri="http://schemas.microsoft.com/office/2006/metadata/contentType"/>
@@ -11313,14 +11517,6 @@
 </ds:datastoreItem>
 </file>
 
-<file path=customXml/itemProps2.xml><?xml version="1.0" encoding="utf-8"?>
-<ds:datastoreItem xmlns:ds="http://schemas.openxmlformats.org/officeDocument/2006/customXml" ds:itemID="{8CF92924-243E-4C73-8BD6-689D14A495F2}">
-  <ds:schemaRefs>
-    <ds:schemaRef ds:uri="http://schemas.microsoft.com/sharepoint/v3/contenttype/forms"/>
-  </ds:schemaRefs>
-</ds:datastoreItem>
-</file>
-
 <file path=customXml/itemProps3.xml><?xml version="1.0" encoding="utf-8"?>
 <ds:datastoreItem xmlns:ds="http://schemas.openxmlformats.org/officeDocument/2006/customXml" ds:itemID="{51D389B5-45E8-4EA7-B5A7-604FF249CF70}">
   <ds:schemaRefs>

--- a/OpenPlazaCS360Lab/Presentations/OpenPlaza - Phase 2.pptx
+++ b/OpenPlazaCS360Lab/Presentations/OpenPlaza - Phase 2.pptx
@@ -8822,7 +8822,7 @@
           <a:p>
             <a:r>
               <a:rPr lang="en-US" dirty="0"/>
-              <a:t>Anna Milligan</a:t>
+              <a:t>Anna Milligan, V00815672</a:t>
             </a:r>
           </a:p>
           <a:p>
@@ -9552,7 +9552,7 @@
             </a:pPr>
             <a:r>
               <a:rPr lang="en-US" sz="2400" dirty="0"/>
-              <a:t>Continue implementing a frontend</a:t>
+              <a:t>Continue implementing a frontend, including images</a:t>
             </a:r>
           </a:p>
           <a:p>
@@ -9569,7 +9569,7 @@
             </a:pPr>
             <a:r>
               <a:rPr lang="en-US" sz="2400" dirty="0"/>
-              <a:t>Improve backend functionality</a:t>
+              <a:t>Improvements to backend, especially security</a:t>
             </a:r>
           </a:p>
           <a:p>
@@ -9586,8 +9586,13 @@
             </a:pPr>
             <a:r>
               <a:rPr lang="en-US" sz="2400" dirty="0"/>
-              <a:t>Continue improving security</a:t>
-            </a:r>
+              <a:t>More features, such </a:t>
+            </a:r>
+            <a:r>
+              <a:rPr lang="en-US" sz="2400"/>
+              <a:t>as admin panel</a:t>
+            </a:r>
+            <a:endParaRPr lang="en-US" sz="2400" dirty="0"/>
           </a:p>
           <a:p>
             <a:pPr marL="342900" indent="-342900">
@@ -9735,20 +9740,8 @@
             </a:pPr>
             <a:r>
               <a:rPr lang="en-US" sz="2400" dirty="0"/>
-              <a:t>Producing a backend that is modular and can be attached to any frontend, as we do not have </a:t>
-            </a:r>
-            <a:r>
-              <a:rPr lang="en-US" sz="2400"/>
-              <a:t>a frontend layout</a:t>
-            </a:r>
-            <a:endParaRPr lang="en-US" sz="2400" dirty="0"/>
-          </a:p>
-          <a:p>
-            <a:pPr marL="342900" indent="-342900">
-              <a:buFont typeface="Arial" panose="020B0604020202020204" pitchFamily="34" charset="0"/>
-              <a:buChar char="•"/>
-            </a:pPr>
-            <a:endParaRPr lang="en-US" sz="2400" dirty="0"/>
+              <a:t>Producing a backend that is modular and can be attached to any frontend</a:t>
+            </a:r>
           </a:p>
           <a:p>
             <a:pPr marL="342900" indent="-342900">
@@ -9946,6 +9939,13 @@
               <a:buFont typeface="Arial" panose="020B0604020202020204" pitchFamily="34" charset="0"/>
               <a:buChar char="•"/>
             </a:pPr>
+            <a:endParaRPr lang="en-US" sz="2400" dirty="0"/>
+          </a:p>
+          <a:p>
+            <a:pPr marL="342900" indent="-342900">
+              <a:buFont typeface="Arial" panose="020B0604020202020204" pitchFamily="34" charset="0"/>
+              <a:buChar char="•"/>
+            </a:pPr>
             <a:endParaRPr lang="en-US" dirty="0"/>
           </a:p>
           <a:p>
@@ -10158,12 +10158,8 @@
               <a:buChar char="•"/>
             </a:pPr>
             <a:r>
-              <a:rPr lang="en-US" sz="2400"/>
-              <a:t>Update </a:t>
-            </a:r>
-            <a:r>
               <a:rPr lang="en-US" sz="2400" dirty="0"/>
-              <a:t>guiding flavor text</a:t>
+              <a:t>Update guiding flavor text</a:t>
             </a:r>
           </a:p>
           <a:p>

--- a/OpenPlazaCS360Lab/Presentations/OpenPlaza - Phase 2.pptx
+++ b/OpenPlazaCS360Lab/Presentations/OpenPlaza - Phase 2.pptx
@@ -9586,13 +9586,8 @@
             </a:pPr>
             <a:r>
               <a:rPr lang="en-US" sz="2400" dirty="0"/>
-              <a:t>More features, such </a:t>
-            </a:r>
-            <a:r>
-              <a:rPr lang="en-US" sz="2400"/>
-              <a:t>as admin panel</a:t>
-            </a:r>
-            <a:endParaRPr lang="en-US" sz="2400" dirty="0"/>
+              <a:t>More features, such as admin panel</a:t>
+            </a:r>
           </a:p>
           <a:p>
             <a:pPr marL="342900" indent="-342900">
@@ -9742,6 +9737,28 @@
               <a:rPr lang="en-US" sz="2400" dirty="0"/>
               <a:t>Producing a backend that is modular and can be attached to any frontend</a:t>
             </a:r>
+          </a:p>
+          <a:p>
+            <a:pPr marL="342900" indent="-342900">
+              <a:buFont typeface="Arial" panose="020B0604020202020204" pitchFamily="34" charset="0"/>
+              <a:buChar char="•"/>
+            </a:pPr>
+            <a:endParaRPr lang="en-US" sz="2400" dirty="0"/>
+          </a:p>
+          <a:p>
+            <a:pPr marL="342900" indent="-342900">
+              <a:buFont typeface="Arial" panose="020B0604020202020204" pitchFamily="34" charset="0"/>
+              <a:buChar char="•"/>
+            </a:pPr>
+            <a:r>
+              <a:rPr lang="en-US" sz="2400" dirty="0"/>
+              <a:t>Difficulties with PHP and getting </a:t>
+            </a:r>
+            <a:r>
+              <a:rPr lang="en-US" sz="2400"/>
+              <a:t>it functioning</a:t>
+            </a:r>
+            <a:endParaRPr lang="en-US" sz="2400" dirty="0"/>
           </a:p>
           <a:p>
             <a:pPr marL="342900" indent="-342900">
